--- a/PPT Bogi/Resources/Sabbatschulgruppen.pptx
+++ b/PPT Bogi/Resources/Sabbatschulgruppen.pptx
@@ -104,6 +104,11 @@
       </a:defRPr>
     </a:lvl9pPr>
   </p:defaultTextStyle>
+  <p:extLst>
+    <p:ext uri="{EFAFB233-063F-42B5-8137-9DF3F51BA10A}">
+      <p15:sldGuideLst xmlns:p15="http://schemas.microsoft.com/office/powerpoint/2012/main"/>
+    </p:ext>
+  </p:extLst>
 </p:presentation>
 </file>
 
@@ -256,7 +261,7 @@
           <a:p>
             <a:fld id="{DC0F34FE-9E86-46C2-B76C-E85D1B99EE98}" type="datetimeFigureOut">
               <a:rPr lang="de-AT" smtClean="0"/>
-              <a:t>13.03.2023</a:t>
+              <a:t>20.03.2023</a:t>
             </a:fld>
             <a:endParaRPr lang="de-AT"/>
           </a:p>
@@ -456,7 +461,7 @@
           <a:p>
             <a:fld id="{DC0F34FE-9E86-46C2-B76C-E85D1B99EE98}" type="datetimeFigureOut">
               <a:rPr lang="de-AT" smtClean="0"/>
-              <a:t>13.03.2023</a:t>
+              <a:t>20.03.2023</a:t>
             </a:fld>
             <a:endParaRPr lang="de-AT"/>
           </a:p>
@@ -666,7 +671,7 @@
           <a:p>
             <a:fld id="{DC0F34FE-9E86-46C2-B76C-E85D1B99EE98}" type="datetimeFigureOut">
               <a:rPr lang="de-AT" smtClean="0"/>
-              <a:t>13.03.2023</a:t>
+              <a:t>20.03.2023</a:t>
             </a:fld>
             <a:endParaRPr lang="de-AT"/>
           </a:p>
@@ -866,7 +871,7 @@
           <a:p>
             <a:fld id="{DC0F34FE-9E86-46C2-B76C-E85D1B99EE98}" type="datetimeFigureOut">
               <a:rPr lang="de-AT" smtClean="0"/>
-              <a:t>13.03.2023</a:t>
+              <a:t>20.03.2023</a:t>
             </a:fld>
             <a:endParaRPr lang="de-AT"/>
           </a:p>
@@ -1142,7 +1147,7 @@
           <a:p>
             <a:fld id="{DC0F34FE-9E86-46C2-B76C-E85D1B99EE98}" type="datetimeFigureOut">
               <a:rPr lang="de-AT" smtClean="0"/>
-              <a:t>13.03.2023</a:t>
+              <a:t>20.03.2023</a:t>
             </a:fld>
             <a:endParaRPr lang="de-AT"/>
           </a:p>
@@ -1410,7 +1415,7 @@
           <a:p>
             <a:fld id="{DC0F34FE-9E86-46C2-B76C-E85D1B99EE98}" type="datetimeFigureOut">
               <a:rPr lang="de-AT" smtClean="0"/>
-              <a:t>13.03.2023</a:t>
+              <a:t>20.03.2023</a:t>
             </a:fld>
             <a:endParaRPr lang="de-AT"/>
           </a:p>
@@ -1825,7 +1830,7 @@
           <a:p>
             <a:fld id="{DC0F34FE-9E86-46C2-B76C-E85D1B99EE98}" type="datetimeFigureOut">
               <a:rPr lang="de-AT" smtClean="0"/>
-              <a:t>13.03.2023</a:t>
+              <a:t>20.03.2023</a:t>
             </a:fld>
             <a:endParaRPr lang="de-AT"/>
           </a:p>
@@ -1967,7 +1972,7 @@
           <a:p>
             <a:fld id="{DC0F34FE-9E86-46C2-B76C-E85D1B99EE98}" type="datetimeFigureOut">
               <a:rPr lang="de-AT" smtClean="0"/>
-              <a:t>13.03.2023</a:t>
+              <a:t>20.03.2023</a:t>
             </a:fld>
             <a:endParaRPr lang="de-AT"/>
           </a:p>
@@ -2080,7 +2085,7 @@
           <a:p>
             <a:fld id="{DC0F34FE-9E86-46C2-B76C-E85D1B99EE98}" type="datetimeFigureOut">
               <a:rPr lang="de-AT" smtClean="0"/>
-              <a:t>13.03.2023</a:t>
+              <a:t>20.03.2023</a:t>
             </a:fld>
             <a:endParaRPr lang="de-AT"/>
           </a:p>
@@ -2393,7 +2398,7 @@
           <a:p>
             <a:fld id="{DC0F34FE-9E86-46C2-B76C-E85D1B99EE98}" type="datetimeFigureOut">
               <a:rPr lang="de-AT" smtClean="0"/>
-              <a:t>13.03.2023</a:t>
+              <a:t>20.03.2023</a:t>
             </a:fld>
             <a:endParaRPr lang="de-AT"/>
           </a:p>
@@ -2682,7 +2687,7 @@
           <a:p>
             <a:fld id="{DC0F34FE-9E86-46C2-B76C-E85D1B99EE98}" type="datetimeFigureOut">
               <a:rPr lang="de-AT" smtClean="0"/>
-              <a:t>13.03.2023</a:t>
+              <a:t>20.03.2023</a:t>
             </a:fld>
             <a:endParaRPr lang="de-AT"/>
           </a:p>
@@ -2925,7 +2930,7 @@
           <a:p>
             <a:fld id="{DC0F34FE-9E86-46C2-B76C-E85D1B99EE98}" type="datetimeFigureOut">
               <a:rPr lang="de-AT" smtClean="0"/>
-              <a:t>13.03.2023</a:t>
+              <a:t>20.03.2023</a:t>
             </a:fld>
             <a:endParaRPr lang="de-AT"/>
           </a:p>
@@ -3344,60 +3349,10 @@
       </p:grpSpPr>
       <p:sp>
         <p:nvSpPr>
-          <p:cNvPr id="2" name="Titel 1">
-            <a:extLst>
-              <a:ext uri="{FF2B5EF4-FFF2-40B4-BE49-F238E27FC236}">
-                <a16:creationId xmlns:a16="http://schemas.microsoft.com/office/drawing/2014/main" id="{36BC61D6-EE8F-458D-DFAE-26C5C54601E3}"/>
-              </a:ext>
-            </a:extLst>
-          </p:cNvPr>
-          <p:cNvSpPr>
-            <a:spLocks noGrp="1"/>
-          </p:cNvSpPr>
-          <p:nvPr>
-            <p:ph type="ctrTitle"/>
-          </p:nvPr>
-        </p:nvSpPr>
-        <p:spPr/>
-        <p:txBody>
-          <a:bodyPr/>
-          <a:lstStyle/>
-          <a:p>
-            <a:endParaRPr lang="de-DE"/>
-          </a:p>
-        </p:txBody>
-      </p:sp>
-      <p:sp>
-        <p:nvSpPr>
-          <p:cNvPr id="3" name="Untertitel 2">
-            <a:extLst>
-              <a:ext uri="{FF2B5EF4-FFF2-40B4-BE49-F238E27FC236}">
-                <a16:creationId xmlns:a16="http://schemas.microsoft.com/office/drawing/2014/main" id="{E13E9188-6D5D-3C63-F767-9AD23D6ADE84}"/>
-              </a:ext>
-            </a:extLst>
-          </p:cNvPr>
-          <p:cNvSpPr>
-            <a:spLocks noGrp="1"/>
-          </p:cNvSpPr>
-          <p:nvPr>
-            <p:ph type="subTitle" idx="1"/>
-          </p:nvPr>
-        </p:nvSpPr>
-        <p:spPr/>
-        <p:txBody>
-          <a:bodyPr/>
-          <a:lstStyle/>
-          <a:p>
-            <a:endParaRPr lang="de-DE"/>
-          </a:p>
-        </p:txBody>
-      </p:sp>
-      <p:sp>
-        <p:nvSpPr>
-          <p:cNvPr id="5" name="Rechteck 4">
-            <a:extLst>
-              <a:ext uri="{FF2B5EF4-FFF2-40B4-BE49-F238E27FC236}">
-                <a16:creationId xmlns:a16="http://schemas.microsoft.com/office/drawing/2014/main" id="{F1456688-FC74-6DAF-A20B-5588FA502046}"/>
+          <p:cNvPr id="4" name="Rechteck 4">
+            <a:extLst>
+              <a:ext uri="{FF2B5EF4-FFF2-40B4-BE49-F238E27FC236}">
+                <a16:creationId xmlns:a16="http://schemas.microsoft.com/office/drawing/2014/main" id="{28DC1CC2-FF5D-992E-3236-05801C239E58}"/>
               </a:ext>
             </a:extLst>
           </p:cNvPr>
@@ -4387,58 +4342,6 @@
           </a:prstGeom>
         </p:spPr>
       </p:pic>
-      <p:sp>
-        <p:nvSpPr>
-          <p:cNvPr id="26" name="Rechteck 25">
-            <a:extLst>
-              <a:ext uri="{FF2B5EF4-FFF2-40B4-BE49-F238E27FC236}">
-                <a16:creationId xmlns:a16="http://schemas.microsoft.com/office/drawing/2014/main" id="{EA8C93D7-B65F-FD9E-5310-BDCA0896C758}"/>
-              </a:ext>
-            </a:extLst>
-          </p:cNvPr>
-          <p:cNvSpPr/>
-          <p:nvPr/>
-        </p:nvSpPr>
-        <p:spPr>
-          <a:xfrm>
-            <a:off x="1859070" y="888622"/>
-            <a:ext cx="669856" cy="402612"/>
-          </a:xfrm>
-          <a:prstGeom prst="rect">
-            <a:avLst/>
-          </a:prstGeom>
-          <a:solidFill>
-            <a:srgbClr val="FF0000"/>
-          </a:solidFill>
-          <a:ln>
-            <a:noFill/>
-          </a:ln>
-        </p:spPr>
-        <p:style>
-          <a:lnRef idx="2">
-            <a:schemeClr val="accent1">
-              <a:shade val="50000"/>
-            </a:schemeClr>
-          </a:lnRef>
-          <a:fillRef idx="1">
-            <a:schemeClr val="accent1"/>
-          </a:fillRef>
-          <a:effectRef idx="0">
-            <a:schemeClr val="accent1"/>
-          </a:effectRef>
-          <a:fontRef idx="minor">
-            <a:schemeClr val="lt1"/>
-          </a:fontRef>
-        </p:style>
-        <p:txBody>
-          <a:bodyPr rtlCol="0" anchor="ctr"/>
-          <a:lstStyle/>
-          <a:p>
-            <a:pPr algn="ctr"/>
-            <a:endParaRPr lang="de-DE"/>
-          </a:p>
-        </p:txBody>
-      </p:sp>
       <p:pic>
         <p:nvPicPr>
           <p:cNvPr id="27" name="Grafik 26">
